--- a/EE/ppt/Compressed Coded Distributed Computing.pptx
+++ b/EE/ppt/Compressed Coded Distributed Computing.pptx
@@ -226,7 +226,7 @@
           <a:p>
             <a:fld id="{0D192E67-DB73-4CBE-9853-17C6FD70389C}" type="datetimeFigureOut">
               <a:rPr lang="zh-CN" altLang="en-US" smtClean="0"/>
-              <a:t>2019/9/30</a:t>
+              <a:t>2019/11/3</a:t>
             </a:fld>
             <a:endParaRPr lang="zh-CN" altLang="en-US"/>
           </a:p>
@@ -623,7 +623,7 @@
           <a:p>
             <a:fld id="{256367BE-FCF9-4078-A470-30B7DC5F97E0}" type="datetimeFigureOut">
               <a:rPr lang="zh-CN" altLang="en-US" smtClean="0"/>
-              <a:t>2019/9/30</a:t>
+              <a:t>2019/11/3</a:t>
             </a:fld>
             <a:endParaRPr lang="zh-CN" altLang="en-US"/>
           </a:p>
@@ -791,7 +791,7 @@
           <a:p>
             <a:fld id="{256367BE-FCF9-4078-A470-30B7DC5F97E0}" type="datetimeFigureOut">
               <a:rPr lang="zh-CN" altLang="en-US" smtClean="0"/>
-              <a:t>2019/9/30</a:t>
+              <a:t>2019/11/3</a:t>
             </a:fld>
             <a:endParaRPr lang="zh-CN" altLang="en-US"/>
           </a:p>
@@ -969,7 +969,7 @@
           <a:p>
             <a:fld id="{256367BE-FCF9-4078-A470-30B7DC5F97E0}" type="datetimeFigureOut">
               <a:rPr lang="zh-CN" altLang="en-US" smtClean="0"/>
-              <a:t>2019/9/30</a:t>
+              <a:t>2019/11/3</a:t>
             </a:fld>
             <a:endParaRPr lang="zh-CN" altLang="en-US"/>
           </a:p>
@@ -1137,7 +1137,7 @@
           <a:p>
             <a:fld id="{256367BE-FCF9-4078-A470-30B7DC5F97E0}" type="datetimeFigureOut">
               <a:rPr lang="zh-CN" altLang="en-US" smtClean="0"/>
-              <a:t>2019/9/30</a:t>
+              <a:t>2019/11/3</a:t>
             </a:fld>
             <a:endParaRPr lang="zh-CN" altLang="en-US"/>
           </a:p>
@@ -1389,7 +1389,7 @@
           <a:p>
             <a:fld id="{256367BE-FCF9-4078-A470-30B7DC5F97E0}" type="datetimeFigureOut">
               <a:rPr lang="zh-CN" altLang="en-US" smtClean="0"/>
-              <a:t>2019/9/30</a:t>
+              <a:t>2019/11/3</a:t>
             </a:fld>
             <a:endParaRPr lang="zh-CN" altLang="en-US"/>
           </a:p>
@@ -1618,7 +1618,7 @@
           <a:p>
             <a:fld id="{256367BE-FCF9-4078-A470-30B7DC5F97E0}" type="datetimeFigureOut">
               <a:rPr lang="zh-CN" altLang="en-US" smtClean="0"/>
-              <a:t>2019/9/30</a:t>
+              <a:t>2019/11/3</a:t>
             </a:fld>
             <a:endParaRPr lang="zh-CN" altLang="en-US"/>
           </a:p>
@@ -1982,7 +1982,7 @@
           <a:p>
             <a:fld id="{256367BE-FCF9-4078-A470-30B7DC5F97E0}" type="datetimeFigureOut">
               <a:rPr lang="zh-CN" altLang="en-US" smtClean="0"/>
-              <a:t>2019/9/30</a:t>
+              <a:t>2019/11/3</a:t>
             </a:fld>
             <a:endParaRPr lang="zh-CN" altLang="en-US"/>
           </a:p>
@@ -2099,7 +2099,7 @@
           <a:p>
             <a:fld id="{256367BE-FCF9-4078-A470-30B7DC5F97E0}" type="datetimeFigureOut">
               <a:rPr lang="zh-CN" altLang="en-US" smtClean="0"/>
-              <a:t>2019/9/30</a:t>
+              <a:t>2019/11/3</a:t>
             </a:fld>
             <a:endParaRPr lang="zh-CN" altLang="en-US"/>
           </a:p>
@@ -2194,7 +2194,7 @@
           <a:p>
             <a:fld id="{256367BE-FCF9-4078-A470-30B7DC5F97E0}" type="datetimeFigureOut">
               <a:rPr lang="zh-CN" altLang="en-US" smtClean="0"/>
-              <a:t>2019/9/30</a:t>
+              <a:t>2019/11/3</a:t>
             </a:fld>
             <a:endParaRPr lang="zh-CN" altLang="en-US"/>
           </a:p>
@@ -2469,7 +2469,7 @@
           <a:p>
             <a:fld id="{256367BE-FCF9-4078-A470-30B7DC5F97E0}" type="datetimeFigureOut">
               <a:rPr lang="zh-CN" altLang="en-US" smtClean="0"/>
-              <a:t>2019/9/30</a:t>
+              <a:t>2019/11/3</a:t>
             </a:fld>
             <a:endParaRPr lang="zh-CN" altLang="en-US"/>
           </a:p>
@@ -2721,7 +2721,7 @@
           <a:p>
             <a:fld id="{256367BE-FCF9-4078-A470-30B7DC5F97E0}" type="datetimeFigureOut">
               <a:rPr lang="zh-CN" altLang="en-US" smtClean="0"/>
-              <a:t>2019/9/30</a:t>
+              <a:t>2019/11/3</a:t>
             </a:fld>
             <a:endParaRPr lang="zh-CN" altLang="en-US"/>
           </a:p>
@@ -2932,7 +2932,7 @@
           <a:p>
             <a:fld id="{256367BE-FCF9-4078-A470-30B7DC5F97E0}" type="datetimeFigureOut">
               <a:rPr lang="zh-CN" altLang="en-US" smtClean="0"/>
-              <a:t>2019/9/30</a:t>
+              <a:t>2019/11/3</a:t>
             </a:fld>
             <a:endParaRPr lang="zh-CN" altLang="en-US"/>
           </a:p>
@@ -4285,8 +4285,8 @@
           </a:p>
         </p:txBody>
       </p:sp>
-      <mc:AlternateContent xmlns:mc="http://schemas.openxmlformats.org/markup-compatibility/2006" xmlns:a14="http://schemas.microsoft.com/office/drawing/2010/main">
-        <mc:Choice Requires="a14">
+      <mc:AlternateContent xmlns:mc="http://schemas.openxmlformats.org/markup-compatibility/2006">
+        <mc:Choice xmlns:a14="http://schemas.microsoft.com/office/drawing/2010/main" Requires="a14">
           <p:sp>
             <p:nvSpPr>
               <p:cNvPr id="24" name="文本框 23"/>
@@ -4296,7 +4296,7 @@
             <p:spPr>
               <a:xfrm>
                 <a:off x="451339" y="813510"/>
-                <a:ext cx="10855569" cy="4799391"/>
+                <a:ext cx="10855569" cy="4522392"/>
               </a:xfrm>
               <a:prstGeom prst="rect">
                 <a:avLst/>
@@ -4369,53 +4369,6 @@
               </a:p>
               <a:p>
                 <a:endParaRPr lang="en-US" altLang="zh-CN" dirty="0"/>
-              </a:p>
-              <a:p>
-                <a:pPr marL="285750" indent="-285750">
-                  <a:buFont typeface="Arial" panose="020B0604020202020204" pitchFamily="34" charset="0"/>
-                  <a:buChar char="•"/>
-                </a:pPr>
-                <a:r>
-                  <a:rPr lang="en-US" altLang="zh-CN" dirty="0" smtClean="0"/>
-                  <a:t>μ</a:t>
-                </a:r>
-                <a:r>
-                  <a:rPr lang="zh-CN" altLang="en-US" dirty="0" smtClean="0"/>
-                  <a:t>表示单个</a:t>
-                </a:r>
-                <a:r>
-                  <a:rPr lang="en-US" altLang="zh-CN" dirty="0" smtClean="0"/>
-                  <a:t>job</a:t>
-                </a:r>
-                <a:r>
-                  <a:rPr lang="zh-CN" altLang="en-US" dirty="0" smtClean="0"/>
-                  <a:t>，每个用户存储的大小占整个数据集的比例</a:t>
-                </a:r>
-                <a:r>
-                  <a:rPr lang="en-US" altLang="zh-CN" dirty="0" smtClean="0"/>
-                  <a:t>,</a:t>
-                </a:r>
-                <a:r>
-                  <a:rPr lang="zh-CN" altLang="en-US" dirty="0" smtClean="0"/>
-                  <a:t>所以单个</a:t>
-                </a:r>
-                <a:r>
-                  <a:rPr lang="en-US" altLang="zh-CN" dirty="0" smtClean="0"/>
-                  <a:t>job</a:t>
-                </a:r>
-                <a:r>
-                  <a:rPr lang="zh-CN" altLang="en-US" dirty="0" smtClean="0"/>
-                  <a:t>每个节点存储</a:t>
-                </a:r>
-                <a:r>
-                  <a:rPr lang="en-US" altLang="zh-CN" dirty="0" err="1" smtClean="0"/>
-                  <a:t>μN</a:t>
-                </a:r>
-                <a:r>
-                  <a:rPr lang="zh-CN" altLang="en-US" dirty="0" smtClean="0"/>
-                  <a:t>个文件</a:t>
-                </a:r>
-                <a:endParaRPr lang="en-US" altLang="zh-CN" dirty="0" smtClean="0"/>
               </a:p>
               <a:p>
                 <a:pPr marL="285750" indent="-285750">
@@ -4783,7 +4736,7 @@
             </p:txBody>
           </p:sp>
         </mc:Choice>
-        <mc:Fallback xmlns="">
+        <mc:Fallback>
           <p:sp>
             <p:nvSpPr>
               <p:cNvPr id="24" name="文本框 23"/>
@@ -4795,7 +4748,7 @@
             <p:spPr>
               <a:xfrm>
                 <a:off x="451339" y="813510"/>
-                <a:ext cx="10855569" cy="4799391"/>
+                <a:ext cx="10855569" cy="4522392"/>
               </a:xfrm>
               <a:prstGeom prst="rect">
                 <a:avLst/>
@@ -4803,7 +4756,7 @@
               <a:blipFill>
                 <a:blip r:embed="rId2"/>
                 <a:stretch>
-                  <a:fillRect l="-449" t="-888" r="-1179" b="-1015"/>
+                  <a:fillRect l="-449" t="-943" r="-1179" b="-1213"/>
                 </a:stretch>
               </a:blipFill>
             </p:spPr>
@@ -4913,8 +4866,8 @@
           </a:p>
         </p:txBody>
       </p:sp>
-      <mc:AlternateContent xmlns:mc="http://schemas.openxmlformats.org/markup-compatibility/2006" xmlns:a14="http://schemas.microsoft.com/office/drawing/2010/main">
-        <mc:Choice Requires="a14">
+      <mc:AlternateContent xmlns:mc="http://schemas.openxmlformats.org/markup-compatibility/2006">
+        <mc:Choice xmlns:a14="http://schemas.microsoft.com/office/drawing/2010/main" Requires="a14">
           <p:sp>
             <p:nvSpPr>
               <p:cNvPr id="24" name="文本框 23"/>
@@ -5535,7 +5488,23 @@
                 </a:r>
                 <a:r>
                   <a:rPr lang="zh-CN" altLang="en-US" dirty="0" smtClean="0"/>
-                  <a:t>个节点完成一个</a:t>
+                  <a:t>个</a:t>
+                </a:r>
+                <a:r>
+                  <a:rPr lang="zh-CN" altLang="en-US" dirty="0" smtClean="0"/>
+                  <a:t>节点</a:t>
+                </a:r>
+                <a:r>
+                  <a:rPr lang="zh-CN" altLang="en-US" dirty="0"/>
+                  <a:t>确定</a:t>
+                </a:r>
+                <a:r>
+                  <a:rPr lang="zh-CN" altLang="en-US" dirty="0" smtClean="0"/>
+                  <a:t>一</a:t>
+                </a:r>
+                <a:r>
+                  <a:rPr lang="zh-CN" altLang="en-US" dirty="0" smtClean="0"/>
+                  <a:t>个</a:t>
                 </a:r>
                 <a:r>
                   <a:rPr lang="en-US" altLang="zh-CN" dirty="0" smtClean="0"/>
@@ -5652,7 +5621,7 @@
             </p:txBody>
           </p:sp>
         </mc:Choice>
-        <mc:Fallback xmlns="">
+        <mc:Fallback>
           <p:sp>
             <p:nvSpPr>
               <p:cNvPr id="24" name="文本框 23"/>
@@ -6623,7 +6592,15 @@
             </a:r>
             <a:r>
               <a:rPr lang="zh-CN" altLang="en-US" dirty="0" smtClean="0"/>
-              <a:t>个节点完成</a:t>
+              <a:t>个</a:t>
+            </a:r>
+            <a:r>
+              <a:rPr lang="zh-CN" altLang="en-US" dirty="0" smtClean="0"/>
+              <a:t>节点</a:t>
+            </a:r>
+            <a:r>
+              <a:rPr lang="zh-CN" altLang="en-US" dirty="0"/>
+              <a:t>确定</a:t>
             </a:r>
             <a:endParaRPr lang="zh-CN" altLang="en-US" dirty="0"/>
           </a:p>
@@ -7374,8 +7351,8 @@
           </a:p>
         </p:txBody>
       </p:sp>
-      <mc:AlternateContent xmlns:mc="http://schemas.openxmlformats.org/markup-compatibility/2006" xmlns:a14="http://schemas.microsoft.com/office/drawing/2010/main">
-        <mc:Choice Requires="a14">
+      <mc:AlternateContent xmlns:mc="http://schemas.openxmlformats.org/markup-compatibility/2006">
+        <mc:Choice xmlns:a14="http://schemas.microsoft.com/office/drawing/2010/main" Requires="a14">
           <p:sp>
             <p:nvSpPr>
               <p:cNvPr id="24" name="文本框 23"/>
@@ -7996,7 +7973,23 @@
                 </a:r>
                 <a:r>
                   <a:rPr lang="zh-CN" altLang="en-US" dirty="0" smtClean="0"/>
-                  <a:t>个节点完成一个</a:t>
+                  <a:t>个</a:t>
+                </a:r>
+                <a:r>
+                  <a:rPr lang="zh-CN" altLang="en-US" dirty="0" smtClean="0"/>
+                  <a:t>节点</a:t>
+                </a:r>
+                <a:r>
+                  <a:rPr lang="zh-CN" altLang="en-US" dirty="0"/>
+                  <a:t>确定</a:t>
+                </a:r>
+                <a:r>
+                  <a:rPr lang="zh-CN" altLang="en-US" dirty="0" smtClean="0"/>
+                  <a:t>一</a:t>
+                </a:r>
+                <a:r>
+                  <a:rPr lang="zh-CN" altLang="en-US" dirty="0" smtClean="0"/>
+                  <a:t>个</a:t>
                 </a:r>
                 <a:r>
                   <a:rPr lang="en-US" altLang="zh-CN" dirty="0" smtClean="0"/>
@@ -8113,7 +8106,7 @@
             </p:txBody>
           </p:sp>
         </mc:Choice>
-        <mc:Fallback xmlns="">
+        <mc:Fallback>
           <p:sp>
             <p:nvSpPr>
               <p:cNvPr id="24" name="文本框 23"/>
@@ -8528,17 +8521,7 @@
                   </a:schemeClr>
                 </a:solidFill>
               </a:rPr>
-              <a:t> </a:t>
-            </a:r>
-            <a:r>
-              <a:rPr lang="en-US" altLang="zh-CN" dirty="0" smtClean="0">
-                <a:solidFill>
-                  <a:schemeClr val="accent4">
-                    <a:lumMod val="50000"/>
-                  </a:schemeClr>
-                </a:solidFill>
-              </a:rPr>
-              <a:t>3</a:t>
+              <a:t> 3</a:t>
             </a:r>
             <a:r>
               <a:rPr lang="zh-CN" altLang="en-US" dirty="0" smtClean="0">
@@ -8616,15 +8599,7 @@
                   <a:srgbClr val="0070C0"/>
                 </a:solidFill>
               </a:rPr>
-              <a:t> </a:t>
-            </a:r>
-            <a:r>
-              <a:rPr lang="en-US" altLang="zh-CN" dirty="0" smtClean="0">
-                <a:solidFill>
-                  <a:srgbClr val="0070C0"/>
-                </a:solidFill>
-              </a:rPr>
-              <a:t>1</a:t>
+              <a:t> 1</a:t>
             </a:r>
             <a:r>
               <a:rPr lang="zh-CN" altLang="en-US" dirty="0" smtClean="0">
@@ -8702,27 +8677,7 @@
                   </a:schemeClr>
                 </a:solidFill>
               </a:rPr>
-              <a:t>file</a:t>
-            </a:r>
-            <a:r>
-              <a:rPr lang="en-US" altLang="zh-CN" dirty="0" smtClean="0">
-                <a:solidFill>
-                  <a:schemeClr val="accent6">
-                    <a:lumMod val="75000"/>
-                  </a:schemeClr>
-                </a:solidFill>
-              </a:rPr>
-              <a:t> </a:t>
-            </a:r>
-            <a:r>
-              <a:rPr lang="en-US" altLang="zh-CN" dirty="0" smtClean="0">
-                <a:solidFill>
-                  <a:schemeClr val="accent6">
-                    <a:lumMod val="75000"/>
-                  </a:schemeClr>
-                </a:solidFill>
-              </a:rPr>
-              <a:t>5</a:t>
+              <a:t>file 5</a:t>
             </a:r>
             <a:r>
               <a:rPr lang="zh-CN" altLang="en-US" dirty="0" smtClean="0">
@@ -9546,18 +9501,14 @@
           <a:p>
             <a:r>
               <a:rPr lang="en-US" altLang="zh-CN" sz="2400" dirty="0"/>
-              <a:t>4. DESCRIPTION OF THE COMPRESSED CDC </a:t>
-            </a:r>
-            <a:r>
-              <a:rPr lang="en-US" altLang="zh-CN" sz="2400" dirty="0"/>
-              <a:t>SCHEME(B. Coded computing)</a:t>
+              <a:t>4. DESCRIPTION OF THE COMPRESSED CDC SCHEME(B. Coded computing)</a:t>
             </a:r>
             <a:endParaRPr lang="zh-CN" altLang="en-US" sz="2400" dirty="0"/>
           </a:p>
         </p:txBody>
       </p:sp>
-      <mc:AlternateContent xmlns:mc="http://schemas.openxmlformats.org/markup-compatibility/2006">
-        <mc:Choice xmlns:a14="http://schemas.microsoft.com/office/drawing/2010/main" Requires="a14">
+      <mc:AlternateContent xmlns:mc="http://schemas.openxmlformats.org/markup-compatibility/2006" xmlns:a14="http://schemas.microsoft.com/office/drawing/2010/main">
+        <mc:Choice Requires="a14">
           <p:sp>
             <p:nvSpPr>
               <p:cNvPr id="24" name="文本框 23"/>
@@ -9698,7 +9649,6 @@
                   <a:rPr lang="en-US" altLang="zh-CN" dirty="0" smtClean="0"/>
                   <a:t>)</a:t>
                 </a:r>
-                <a:endParaRPr lang="en-US" altLang="zh-CN" dirty="0" smtClean="0"/>
               </a:p>
               <a:p>
                 <a:pPr marL="342900" indent="-342900">
@@ -9922,7 +9872,7 @@
             </p:txBody>
           </p:sp>
         </mc:Choice>
-        <mc:Fallback>
+        <mc:Fallback xmlns="">
           <p:sp>
             <p:nvSpPr>
               <p:cNvPr id="24" name="文本框 23"/>
@@ -10999,18 +10949,14 @@
           <a:p>
             <a:r>
               <a:rPr lang="en-US" altLang="zh-CN" sz="2400" dirty="0"/>
-              <a:t>4. DESCRIPTION OF THE COMPRESSED CDC </a:t>
-            </a:r>
-            <a:r>
-              <a:rPr lang="en-US" altLang="zh-CN" sz="2400" dirty="0"/>
-              <a:t>SCHEME(B. Coded computing)</a:t>
+              <a:t>4. DESCRIPTION OF THE COMPRESSED CDC SCHEME(B. Coded computing)</a:t>
             </a:r>
             <a:endParaRPr lang="zh-CN" altLang="en-US" sz="2400" dirty="0"/>
           </a:p>
         </p:txBody>
       </p:sp>
-      <mc:AlternateContent xmlns:mc="http://schemas.openxmlformats.org/markup-compatibility/2006">
-        <mc:Choice xmlns:a14="http://schemas.microsoft.com/office/drawing/2010/main" Requires="a14">
+      <mc:AlternateContent xmlns:mc="http://schemas.openxmlformats.org/markup-compatibility/2006" xmlns:a14="http://schemas.microsoft.com/office/drawing/2010/main">
+        <mc:Choice Requires="a14">
           <p:sp>
             <p:nvSpPr>
               <p:cNvPr id="24" name="文本框 23"/>
@@ -11282,11 +11228,6 @@
                   </a:rPr>
                   <a:t>k</a:t>
                 </a:r>
-                <a:endParaRPr lang="en-US" altLang="zh-CN" dirty="0">
-                  <a:solidFill>
-                    <a:srgbClr val="FF0000"/>
-                  </a:solidFill>
-                </a:endParaRPr>
               </a:p>
               <a:p>
                 <a:r>
@@ -11300,7 +11241,7 @@
             </p:txBody>
           </p:sp>
         </mc:Choice>
-        <mc:Fallback>
+        <mc:Fallback xmlns="">
           <p:sp>
             <p:nvSpPr>
               <p:cNvPr id="24" name="文本框 23"/>
@@ -13540,7 +13481,6 @@
               <a:rPr lang="en-US" altLang="zh-CN" dirty="0" smtClean="0"/>
               <a:t>tasks</a:t>
             </a:r>
-            <a:endParaRPr lang="en-US" altLang="zh-CN" dirty="0" smtClean="0"/>
           </a:p>
           <a:p>
             <a:endParaRPr lang="en-US" altLang="zh-CN" dirty="0"/>
@@ -13637,17 +13577,13 @@
           <a:p>
             <a:r>
               <a:rPr lang="en-US" altLang="zh-CN" sz="2400" dirty="0"/>
-              <a:t>6</a:t>
-            </a:r>
-            <a:r>
-              <a:rPr lang="en-US" altLang="zh-CN" sz="2400" dirty="0"/>
-              <a:t>. APPENDIX A : RATES FOR THE GENERALIZED CACHING SCHEME</a:t>
+              <a:t>6. APPENDIX A : RATES FOR THE GENERALIZED CACHING SCHEME</a:t>
             </a:r>
           </a:p>
         </p:txBody>
       </p:sp>
-      <mc:AlternateContent xmlns:mc="http://schemas.openxmlformats.org/markup-compatibility/2006">
-        <mc:Choice xmlns:a14="http://schemas.microsoft.com/office/drawing/2010/main" Requires="a14">
+      <mc:AlternateContent xmlns:mc="http://schemas.openxmlformats.org/markup-compatibility/2006" xmlns:a14="http://schemas.microsoft.com/office/drawing/2010/main">
+        <mc:Choice Requires="a14">
           <p:sp>
             <p:nvSpPr>
               <p:cNvPr id="5" name="文本框 4"/>
@@ -13804,7 +13740,7 @@
                       <a:rPr lang="en-US" altLang="zh-CN" i="1" smtClean="0">
                         <a:latin typeface="Cambria Math" panose="02040503050406030204" pitchFamily="18" charset="0"/>
                       </a:rPr>
-                      <m:t>-</m:t>
+                      <m:t>−</m:t>
                     </m:r>
                   </m:oMath>
                 </a14:m>
@@ -14123,7 +14059,6 @@
                 <a:endParaRPr lang="en-US" altLang="zh-CN" dirty="0" smtClean="0"/>
               </a:p>
               <a:p>
-                <a:pPr/>
                 <a14:m>
                   <m:oMath xmlns:m="http://schemas.openxmlformats.org/officeDocument/2006/math">
                     <m:d>
@@ -14258,11 +14193,9 @@
                 </a:r>
               </a:p>
               <a:p>
-                <a:pPr/>
                 <a:endParaRPr lang="en-US" altLang="zh-CN" dirty="0"/>
               </a:p>
               <a:p>
-                <a:pPr/>
                 <a:endParaRPr lang="en-US" altLang="zh-CN" dirty="0" smtClean="0"/>
               </a:p>
               <a:p>
@@ -14305,7 +14238,7 @@
             </p:txBody>
           </p:sp>
         </mc:Choice>
-        <mc:Fallback>
+        <mc:Fallback xmlns="">
           <p:sp>
             <p:nvSpPr>
               <p:cNvPr id="5" name="文本框 4"/>
@@ -14912,8 +14845,8 @@
           <a:lstStyle/>
           <a:p>
             <a:r>
-              <a:rPr lang="en-US" altLang="zh-CN" sz="2000" dirty="0" smtClean="0"/>
-              <a:t>coded </a:t>
+              <a:rPr lang="en-US" altLang="zh-CN" sz="2000" dirty="0"/>
+              <a:t>compressed coded </a:t>
             </a:r>
             <a:r>
               <a:rPr lang="en-US" altLang="zh-CN" sz="2000" dirty="0"/>
@@ -14956,7 +14889,7 @@
               <a:t>intermediate results of </a:t>
             </a:r>
             <a:r>
-              <a:rPr lang="en-US" altLang="zh-CN" sz="2000" dirty="0">
+              <a:rPr lang="en-US" altLang="zh-CN" sz="2000" dirty="0" smtClean="0">
                 <a:solidFill>
                   <a:srgbClr val="FF0000"/>
                 </a:solidFill>
@@ -14964,7 +14897,7 @@
               <a:t>different</a:t>
             </a:r>
             <a:r>
-              <a:rPr lang="en-US" altLang="zh-CN" sz="2000" dirty="0"/>
+              <a:rPr lang="en-US" altLang="zh-CN" sz="2000" dirty="0" smtClean="0"/>
               <a:t> computations) </a:t>
             </a:r>
             <a:endParaRPr lang="en-US" altLang="zh-CN" sz="2000" dirty="0" smtClean="0"/>
@@ -15868,8 +15801,8 @@
           </a:p>
         </p:txBody>
       </p:sp>
-      <mc:AlternateContent xmlns:mc="http://schemas.openxmlformats.org/markup-compatibility/2006" xmlns:a14="http://schemas.microsoft.com/office/drawing/2010/main">
-        <mc:Choice Requires="a14">
+      <mc:AlternateContent xmlns:mc="http://schemas.openxmlformats.org/markup-compatibility/2006">
+        <mc:Choice xmlns:a14="http://schemas.microsoft.com/office/drawing/2010/main" Requires="a14">
           <p:sp>
             <p:nvSpPr>
               <p:cNvPr id="5" name="文本框 4"/>
@@ -15879,7 +15812,7 @@
             <p:spPr>
               <a:xfrm>
                 <a:off x="352722" y="759050"/>
-                <a:ext cx="11100939" cy="5778313"/>
+                <a:ext cx="11100939" cy="6332311"/>
               </a:xfrm>
               <a:prstGeom prst="rect">
                 <a:avLst/>
@@ -15891,6 +15824,20 @@
                 <a:spAutoFit/>
               </a:bodyPr>
               <a:lstStyle/>
+              <a:p>
+                <a:pPr marL="285750" indent="-285750">
+                  <a:buFont typeface="Arial" panose="020B0604020202020204" pitchFamily="34" charset="0"/>
+                  <a:buChar char="•"/>
+                </a:pPr>
+                <a:r>
+                  <a:rPr lang="zh-CN" altLang="en-US" dirty="0" smtClean="0"/>
+                  <a:t>考虑一个</a:t>
+                </a:r>
+                <a:r>
+                  <a:rPr lang="en-US" altLang="zh-CN" dirty="0" smtClean="0"/>
+                  <a:t>computation job</a:t>
+                </a:r>
+              </a:p>
               <a:p>
                 <a:pPr marL="285750" indent="-285750">
                   <a:buFont typeface="Arial" panose="020B0604020202020204" pitchFamily="34" charset="0"/>
@@ -17020,8 +16967,38 @@
                   <a:buChar char="•"/>
                 </a:pPr>
                 <a:r>
-                  <a:rPr lang="zh-CN" altLang="en-US" dirty="0" smtClean="0"/>
-                  <a:t>本文引入了</a:t>
+                  <a:rPr lang="en-US" altLang="zh-CN" dirty="0"/>
+                  <a:t>So far, </a:t>
+                </a:r>
+                <a:r>
+                  <a:rPr lang="en-US" altLang="zh-CN" dirty="0" smtClean="0"/>
+                  <a:t>we have </a:t>
+                </a:r>
+                <a:r>
+                  <a:rPr lang="en-US" altLang="zh-CN" dirty="0"/>
+                  <a:t>introduced one computation job that involves </a:t>
+                </a:r>
+                <a:r>
+                  <a:rPr lang="en-US" altLang="zh-CN" dirty="0" smtClean="0"/>
+                  <a:t>computing Q </a:t>
+                </a:r>
+                <a:r>
+                  <a:rPr lang="en-US" altLang="zh-CN" dirty="0"/>
+                  <a:t>functions.</a:t>
+                </a:r>
+              </a:p>
+              <a:p>
+                <a:pPr marL="285750" indent="-285750">
+                  <a:buFont typeface="Arial" panose="020B0604020202020204" pitchFamily="34" charset="0"/>
+                  <a:buChar char="•"/>
+                </a:pPr>
+                <a:r>
+                  <a:rPr lang="zh-CN" altLang="en-US" dirty="0" smtClean="0"/>
+                  <a:t>本文</a:t>
+                </a:r>
+                <a:r>
+                  <a:rPr lang="zh-CN" altLang="en-US" dirty="0" smtClean="0"/>
+                  <a:t>引入了</a:t>
                 </a:r>
                 <a:r>
                   <a:rPr lang="en-US" altLang="zh-CN" dirty="0" smtClean="0"/>
@@ -17033,11 +17010,19 @@
                 </a:r>
                 <a:r>
                   <a:rPr lang="en-US" altLang="zh-CN" dirty="0" smtClean="0"/>
-                  <a:t>computation job</a:t>
-                </a:r>
-                <a:r>
-                  <a:rPr lang="zh-CN" altLang="en-US" dirty="0" smtClean="0"/>
-                  <a:t>，用不同的数据集。</a:t>
+                  <a:t>computation </a:t>
+                </a:r>
+                <a:r>
+                  <a:rPr lang="en-US" altLang="zh-CN" dirty="0" smtClean="0"/>
+                  <a:t>job</a:t>
+                </a:r>
+                <a:r>
+                  <a:rPr lang="zh-CN" altLang="en-US" dirty="0" smtClean="0"/>
+                  <a:t>用于并行工作，</a:t>
+                </a:r>
+                <a:r>
+                  <a:rPr lang="zh-CN" altLang="en-US" dirty="0" smtClean="0"/>
+                  <a:t>用不同的数据集。</a:t>
                 </a:r>
                 <a:r>
                   <a:rPr lang="en-US" altLang="zh-CN" dirty="0" smtClean="0"/>
@@ -17658,7 +17643,7 @@
             </p:txBody>
           </p:sp>
         </mc:Choice>
-        <mc:Fallback xmlns="">
+        <mc:Fallback>
           <p:sp>
             <p:nvSpPr>
               <p:cNvPr id="5" name="文本框 4"/>
@@ -17670,7 +17655,7 @@
             <p:spPr>
               <a:xfrm>
                 <a:off x="352722" y="759050"/>
-                <a:ext cx="11100939" cy="5778313"/>
+                <a:ext cx="11100939" cy="6332311"/>
               </a:xfrm>
               <a:prstGeom prst="rect">
                 <a:avLst/>
@@ -17678,7 +17663,7 @@
               <a:blipFill>
                 <a:blip r:embed="rId2"/>
                 <a:stretch>
-                  <a:fillRect l="-494" t="-845"/>
+                  <a:fillRect l="-494" t="-771"/>
                 </a:stretch>
               </a:blipFill>
             </p:spPr>
@@ -17772,8 +17757,8 @@
           </a:p>
         </p:txBody>
       </p:sp>
-      <mc:AlternateContent xmlns:mc="http://schemas.openxmlformats.org/markup-compatibility/2006" xmlns:a14="http://schemas.microsoft.com/office/drawing/2010/main">
-        <mc:Choice Requires="a14">
+      <mc:AlternateContent xmlns:mc="http://schemas.openxmlformats.org/markup-compatibility/2006">
+        <mc:Choice xmlns:a14="http://schemas.microsoft.com/office/drawing/2010/main" Requires="a14">
           <p:sp>
             <p:nvSpPr>
               <p:cNvPr id="5" name="文本框 4"/>
@@ -17918,47 +17903,11 @@
                 </a:r>
                 <a:r>
                   <a:rPr lang="zh-CN" altLang="en-US" dirty="0" smtClean="0"/>
-                  <a:t>个文件</a:t>
-                </a:r>
-                <a:r>
-                  <a:rPr lang="en-US" altLang="zh-CN" dirty="0" smtClean="0"/>
-                  <a:t>(</a:t>
-                </a:r>
-                <a:r>
-                  <a:rPr lang="zh-CN" altLang="en-US" dirty="0" smtClean="0"/>
-                  <a:t>一个</a:t>
-                </a:r>
-                <a:r>
-                  <a:rPr lang="en-US" altLang="zh-CN" dirty="0" smtClean="0"/>
-                  <a:t>job</a:t>
-                </a:r>
-                <a:r>
-                  <a:rPr lang="zh-CN" altLang="en-US" dirty="0" smtClean="0"/>
-                  <a:t>是</a:t>
-                </a:r>
-                <a:r>
-                  <a:rPr lang="en-US" altLang="zh-CN" dirty="0" err="1" smtClean="0"/>
-                  <a:t>μN</a:t>
-                </a:r>
-                <a:r>
-                  <a:rPr lang="zh-CN" altLang="en-US" dirty="0" smtClean="0"/>
-                  <a:t>个文件，考虑</a:t>
-                </a:r>
-                <a:r>
-                  <a:rPr lang="en-US" altLang="zh-CN" dirty="0" smtClean="0"/>
-                  <a:t>J</a:t>
-                </a:r>
-                <a:r>
-                  <a:rPr lang="zh-CN" altLang="en-US" dirty="0" smtClean="0"/>
                   <a:t>个</a:t>
                 </a:r>
                 <a:r>
-                  <a:rPr lang="en-US" altLang="zh-CN" dirty="0" smtClean="0"/>
-                  <a:t>job)</a:t>
-                </a:r>
-                <a:r>
-                  <a:rPr lang="zh-CN" altLang="en-US" dirty="0" smtClean="0"/>
-                  <a:t>。</a:t>
+                  <a:rPr lang="zh-CN" altLang="en-US" dirty="0" smtClean="0"/>
+                  <a:t>文件。</a:t>
                 </a:r>
                 <a:r>
                   <a:rPr lang="en-US" altLang="zh-CN" dirty="0" smtClean="0"/>
@@ -18358,7 +18307,7 @@
             </p:txBody>
           </p:sp>
         </mc:Choice>
-        <mc:Fallback xmlns="">
+        <mc:Fallback>
           <p:sp>
             <p:nvSpPr>
               <p:cNvPr id="5" name="文本框 4"/>
